--- a/My_own/Евгений презентация.pptx
+++ b/My_own/Евгений презентация.pptx
@@ -114,6 +114,11 @@
       </a:defRPr>
     </a:lvl9pPr>
   </p:defaultTextStyle>
+  <p:extLst>
+    <p:ext uri="{EFAFB233-063F-42B5-8137-9DF3F51BA10A}">
+      <p15:sldGuideLst xmlns:p15="http://schemas.microsoft.com/office/powerpoint/2012/main"/>
+    </p:ext>
+  </p:extLst>
 </p:presentation>
 </file>
 
@@ -361,7 +366,7 @@
           <a:p>
             <a:fld id="{9184DA70-C731-4C70-880D-CCD4705E623C}" type="datetime1">
               <a:rPr lang="en-US" smtClean="0"/>
-              <a:t>5/22/22</a:t>
+              <a:t>5/24/2022</a:t>
             </a:fld>
             <a:endParaRPr lang="en-US" dirty="0"/>
           </a:p>
@@ -549,7 +554,7 @@
           <a:p>
             <a:fld id="{B612A279-0833-481D-8C56-F67FD0AC6C50}" type="datetime1">
               <a:rPr lang="en-US" smtClean="0"/>
-              <a:t>5/22/22</a:t>
+              <a:t>5/24/2022</a:t>
             </a:fld>
             <a:endParaRPr lang="en-US" dirty="0"/>
           </a:p>
@@ -791,7 +796,7 @@
           <a:p>
             <a:fld id="{6587DA83-5663-4C9C-B9AA-0B40A3DAFF81}" type="datetime1">
               <a:rPr lang="en-US" smtClean="0"/>
-              <a:t>5/22/22</a:t>
+              <a:t>5/24/2022</a:t>
             </a:fld>
             <a:endParaRPr lang="en-US" dirty="0"/>
           </a:p>
@@ -979,7 +984,7 @@
           <a:p>
             <a:fld id="{4BE1D723-8F53-4F53-90B0-1982A396982E}" type="datetime1">
               <a:rPr lang="en-US" smtClean="0"/>
-              <a:t>5/22/22</a:t>
+              <a:t>5/24/2022</a:t>
             </a:fld>
             <a:endParaRPr lang="en-US" dirty="0"/>
           </a:p>
@@ -1352,7 +1357,7 @@
           <a:p>
             <a:fld id="{97669AF7-7BEB-44E4-9852-375E34362B5B}" type="datetime1">
               <a:rPr lang="en-US" smtClean="0"/>
-              <a:t>5/22/22</a:t>
+              <a:t>5/24/2022</a:t>
             </a:fld>
             <a:endParaRPr lang="en-US" dirty="0"/>
           </a:p>
@@ -1607,7 +1612,7 @@
           <a:p>
             <a:fld id="{BAAAC38D-0552-4C82-B593-E6124DFADBE2}" type="datetime1">
               <a:rPr lang="en-US" smtClean="0"/>
-              <a:t>5/22/22</a:t>
+              <a:t>5/24/2022</a:t>
             </a:fld>
             <a:endParaRPr lang="en-US" dirty="0"/>
           </a:p>
@@ -2004,7 +2009,7 @@
           <a:p>
             <a:fld id="{D9DF0F1C-5577-4ACB-BB62-DF8F3C494C7E}" type="datetime1">
               <a:rPr lang="en-US" smtClean="0"/>
-              <a:t>5/22/22</a:t>
+              <a:t>5/24/2022</a:t>
             </a:fld>
             <a:endParaRPr lang="en-US" dirty="0"/>
           </a:p>
@@ -2140,7 +2145,7 @@
           <a:p>
             <a:fld id="{1775B394-D9F9-4F0C-B15D-605F45CB9E9F}" type="datetime1">
               <a:rPr lang="en-US" smtClean="0"/>
-              <a:t>5/22/22</a:t>
+              <a:t>5/24/2022</a:t>
             </a:fld>
             <a:endParaRPr lang="en-US" dirty="0"/>
           </a:p>
@@ -2297,7 +2302,7 @@
           <a:p>
             <a:fld id="{39667345-2558-425A-8533-9BFDBCE15005}" type="datetime1">
               <a:rPr lang="en-US" smtClean="0"/>
-              <a:t>5/22/22</a:t>
+              <a:t>5/24/2022</a:t>
             </a:fld>
             <a:endParaRPr lang="en-US" dirty="0"/>
           </a:p>
@@ -2626,7 +2631,7 @@
           <a:p>
             <a:fld id="{92BEA474-078D-4E9B-9B14-09A87B19DC46}" type="datetime1">
               <a:rPr lang="en-US" smtClean="0"/>
-              <a:t>5/22/22</a:t>
+              <a:t>5/24/2022</a:t>
             </a:fld>
             <a:endParaRPr lang="en-US" dirty="0"/>
           </a:p>
@@ -2976,7 +2981,7 @@
           <a:p>
             <a:fld id="{4907D986-8816-4272-A432-0437A28A9828}" type="datetime1">
               <a:rPr lang="en-US" smtClean="0"/>
-              <a:t>5/22/22</a:t>
+              <a:t>5/24/2022</a:t>
             </a:fld>
             <a:endParaRPr lang="en-US" dirty="0"/>
           </a:p>
@@ -3237,7 +3242,7 @@
           <a:p>
             <a:fld id="{62D6E202-B606-4609-B914-27C9371A1F6D}" type="datetime1">
               <a:rPr lang="en-US" smtClean="0"/>
-              <a:t>5/22/22</a:t>
+              <a:t>5/24/2022</a:t>
             </a:fld>
             <a:endParaRPr lang="en-US" dirty="0"/>
           </a:p>
@@ -4070,14 +4075,23 @@
         </p:nvSpPr>
         <p:spPr/>
         <p:txBody>
-          <a:bodyPr/>
+          <a:bodyPr>
+            <a:normAutofit/>
+          </a:bodyPr>
           <a:lstStyle/>
           <a:p>
-            <a:r>
-              <a:rPr lang="ru-RU" dirty="0"/>
+            <a:pPr algn="ctr"/>
+            <a:r>
+              <a:rPr lang="ru-RU" sz="4000" dirty="0">
+                <a:latin typeface="Arial" panose="020B0604020202020204" pitchFamily="34" charset="0"/>
+                <a:cs typeface="Arial" panose="020B0604020202020204" pitchFamily="34" charset="0"/>
+              </a:rPr>
               <a:t>Выводы</a:t>
             </a:r>
-            <a:endParaRPr lang="en-BY" dirty="0"/>
+            <a:endParaRPr lang="en-BY" sz="4000" dirty="0">
+              <a:latin typeface="Arial" panose="020B0604020202020204" pitchFamily="34" charset="0"/>
+              <a:cs typeface="Arial" panose="020B0604020202020204" pitchFamily="34" charset="0"/>
+            </a:endParaRPr>
           </a:p>
         </p:txBody>
       </p:sp>
@@ -4107,7 +4121,10 @@
               <a:buChar char="§"/>
             </a:pPr>
             <a:r>
-              <a:rPr lang="ru-RU" dirty="0"/>
+              <a:rPr lang="ru-RU" sz="2000" dirty="0">
+                <a:latin typeface="Arial" panose="020B0604020202020204" pitchFamily="34" charset="0"/>
+                <a:cs typeface="Arial" panose="020B0604020202020204" pitchFamily="34" charset="0"/>
+              </a:rPr>
               <a:t>Алгоритм искусственного интеллекта реализован на трех объектах: бот, дрон и турель</a:t>
             </a:r>
           </a:p>
@@ -4117,7 +4134,10 @@
               <a:buChar char="§"/>
             </a:pPr>
             <a:r>
-              <a:rPr lang="ru-RU" dirty="0"/>
+              <a:rPr lang="ru-RU" sz="2000" dirty="0">
+                <a:latin typeface="Arial" panose="020B0604020202020204" pitchFamily="34" charset="0"/>
+                <a:cs typeface="Arial" panose="020B0604020202020204" pitchFamily="34" charset="0"/>
+              </a:rPr>
               <a:t>Проект является экономически выгодным и полностью окупает инвестиции в течении года</a:t>
             </a:r>
           </a:p>
@@ -4127,7 +4147,10 @@
               <a:buChar char="§"/>
             </a:pPr>
             <a:r>
-              <a:rPr lang="ru-RU" dirty="0"/>
+              <a:rPr lang="ru-RU" sz="2000" dirty="0">
+                <a:latin typeface="Arial" panose="020B0604020202020204" pitchFamily="34" charset="0"/>
+                <a:cs typeface="Arial" panose="020B0604020202020204" pitchFamily="34" charset="0"/>
+              </a:rPr>
               <a:t>Разработан универсальный интегрируемый алгоритм искусственного интеллекта</a:t>
             </a:r>
           </a:p>
@@ -4137,7 +4160,10 @@
               <a:buChar char="§"/>
             </a:pPr>
             <a:r>
-              <a:rPr lang="ru-RU" dirty="0"/>
+              <a:rPr lang="ru-RU" sz="2000" dirty="0">
+                <a:latin typeface="Arial" panose="020B0604020202020204" pitchFamily="34" charset="0"/>
+                <a:cs typeface="Arial" panose="020B0604020202020204" pitchFamily="34" charset="0"/>
+              </a:rPr>
               <a:t>Разработана и реализована система частиц</a:t>
             </a:r>
           </a:p>
@@ -4147,15 +4173,24 @@
               <a:buChar char="§"/>
             </a:pPr>
             <a:r>
-              <a:rPr lang="ru-RU" dirty="0"/>
+              <a:rPr lang="ru-RU" sz="2000" dirty="0">
+                <a:latin typeface="Arial" panose="020B0604020202020204" pitchFamily="34" charset="0"/>
+                <a:cs typeface="Arial" panose="020B0604020202020204" pitchFamily="34" charset="0"/>
+              </a:rPr>
               <a:t>Проект полностью разработан с использованием технологии </a:t>
             </a:r>
             <a:r>
-              <a:rPr lang="en-US" dirty="0" err="1"/>
+              <a:rPr lang="en-US" sz="2000" dirty="0" err="1">
+                <a:latin typeface="Arial" panose="020B0604020202020204" pitchFamily="34" charset="0"/>
+                <a:cs typeface="Arial" panose="020B0604020202020204" pitchFamily="34" charset="0"/>
+              </a:rPr>
               <a:t>BluePrint</a:t>
             </a:r>
             <a:r>
-              <a:rPr lang="ru-RU" dirty="0"/>
+              <a:rPr lang="ru-RU" sz="2000" dirty="0">
+                <a:latin typeface="Arial" panose="020B0604020202020204" pitchFamily="34" charset="0"/>
+                <a:cs typeface="Arial" panose="020B0604020202020204" pitchFamily="34" charset="0"/>
+              </a:rPr>
               <a:t>, поэтому он является легко переносимым</a:t>
             </a:r>
           </a:p>
@@ -4394,8 +4429,8 @@
         </p:nvSpPr>
         <p:spPr>
           <a:xfrm>
-            <a:off x="1096963" y="758826"/>
-            <a:ext cx="10058400" cy="4062326"/>
+            <a:off x="2266988" y="2383259"/>
+            <a:ext cx="3022710" cy="1191889"/>
           </a:xfrm>
         </p:spPr>
         <p:txBody>
@@ -4405,7 +4440,7 @@
           <a:lstStyle/>
           <a:p>
             <a:r>
-              <a:rPr lang="en-US" sz="9600">
+              <a:rPr lang="en-US" sz="4000" dirty="0" err="1">
                 <a:solidFill>
                   <a:schemeClr val="tx1">
                     <a:lumMod val="85000"/>
@@ -4413,7 +4448,62 @@
                   </a:schemeClr>
                 </a:solidFill>
               </a:rPr>
-              <a:t>Спасибо за внимание!</a:t>
+              <a:t>Спасибо</a:t>
+            </a:r>
+            <a:r>
+              <a:rPr lang="en-US" sz="4000" dirty="0">
+                <a:solidFill>
+                  <a:schemeClr val="tx1">
+                    <a:lumMod val="85000"/>
+                    <a:lumOff val="15000"/>
+                  </a:schemeClr>
+                </a:solidFill>
+              </a:rPr>
+              <a:t> </a:t>
+            </a:r>
+            <a:r>
+              <a:rPr lang="en-US" sz="4000" dirty="0" err="1">
+                <a:solidFill>
+                  <a:schemeClr val="tx1">
+                    <a:lumMod val="85000"/>
+                    <a:lumOff val="15000"/>
+                  </a:schemeClr>
+                </a:solidFill>
+              </a:rPr>
+              <a:t>за</a:t>
+            </a:r>
+            <a:r>
+              <a:rPr lang="en-US" sz="4000" dirty="0">
+                <a:solidFill>
+                  <a:schemeClr val="tx1">
+                    <a:lumMod val="85000"/>
+                    <a:lumOff val="15000"/>
+                  </a:schemeClr>
+                </a:solidFill>
+              </a:rPr>
+              <a:t> </a:t>
+            </a:r>
+            <a:r>
+              <a:rPr lang="en-US" sz="4000" dirty="0" err="1">
+                <a:solidFill>
+                  <a:schemeClr val="tx1">
+                    <a:lumMod val="85000"/>
+                    <a:lumOff val="15000"/>
+                  </a:schemeClr>
+                </a:solidFill>
+              </a:rPr>
+              <a:t>внимание</a:t>
+            </a:r>
+            <a:r>
+              <a:rPr lang="en-US" sz="4000" dirty="0">
+                <a:solidFill>
+                  <a:schemeClr val="tx1">
+                    <a:lumMod val="85000"/>
+                    <a:lumOff val="15000"/>
+                  </a:schemeClr>
+                </a:solidFill>
+              </a:rPr>
+              <a:t>!</a:t>
             </a:r>
           </a:p>
         </p:txBody>
@@ -4528,6 +4618,35 @@
           </a:fontRef>
         </p:style>
       </p:sp>
+      <p:pic>
+        <p:nvPicPr>
+          <p:cNvPr id="3" name="Picture 3">
+            <a:extLst>
+              <a:ext uri="{FF2B5EF4-FFF2-40B4-BE49-F238E27FC236}">
+                <a16:creationId xmlns:a16="http://schemas.microsoft.com/office/drawing/2014/main" id="{2CCA5792-E1F9-BDA6-C6E8-9DB2F9AE3124}"/>
+              </a:ext>
+            </a:extLst>
+          </p:cNvPr>
+          <p:cNvPicPr>
+            <a:picLocks noChangeAspect="1"/>
+          </p:cNvPicPr>
+          <p:nvPr/>
+        </p:nvPicPr>
+        <p:blipFill rotWithShape="1">
+          <a:blip r:embed="rId2"/>
+          <a:srcRect l="45980" r="11945" b="-1"/>
+          <a:stretch/>
+        </p:blipFill>
+        <p:spPr>
+          <a:xfrm>
+            <a:off x="7556686" y="1"/>
+            <a:ext cx="4635315" cy="6857999"/>
+          </a:xfrm>
+          <a:prstGeom prst="rect">
+            <a:avLst/>
+          </a:prstGeom>
+        </p:spPr>
+      </p:pic>
     </p:spTree>
     <p:extLst>
       <p:ext uri="{BB962C8B-B14F-4D97-AF65-F5344CB8AC3E}">
@@ -4654,12 +4773,22 @@
           </a:bodyPr>
           <a:lstStyle/>
           <a:p>
-            <a:pPr algn="r"/>
-            <a:r>
-              <a:rPr lang="ru-RU"/>
-              <a:t>Задачи и цели</a:t>
-            </a:r>
-            <a:endParaRPr lang="en-BY"/>
+            <a:pPr algn="ctr"/>
+            <a:r>
+              <a:rPr lang="ru-RU" dirty="0"/>
+              <a:t>Задачи и </a:t>
+            </a:r>
+            <a:r>
+              <a:rPr lang="ru-RU" dirty="0">
+                <a:latin typeface="Arial" panose="020B0604020202020204" pitchFamily="34" charset="0"/>
+                <a:cs typeface="Arial" panose="020B0604020202020204" pitchFamily="34" charset="0"/>
+              </a:rPr>
+              <a:t>цели</a:t>
+            </a:r>
+            <a:endParaRPr lang="en-BY" dirty="0">
+              <a:latin typeface="Arial" panose="020B0604020202020204" pitchFamily="34" charset="0"/>
+              <a:cs typeface="Arial" panose="020B0604020202020204" pitchFamily="34" charset="0"/>
+            </a:endParaRPr>
           </a:p>
         </p:txBody>
       </p:sp>
@@ -4749,10 +4878,16 @@
               <a:buChar char="§"/>
             </a:pPr>
             <a:r>
-              <a:rPr lang="ru-RU" dirty="0"/>
+              <a:rPr lang="ru-RU" sz="2000" dirty="0">
+                <a:latin typeface="Arial" panose="020B0604020202020204" pitchFamily="34" charset="0"/>
+                <a:cs typeface="Arial" panose="020B0604020202020204" pitchFamily="34" charset="0"/>
+              </a:rPr>
               <a:t>Создание игрового искусственного интеллекта (ИИ) развлекательного типа</a:t>
             </a:r>
-            <a:endParaRPr lang="en-US" dirty="0"/>
+            <a:endParaRPr lang="en-US" sz="2000" dirty="0">
+              <a:latin typeface="Arial" panose="020B0604020202020204" pitchFamily="34" charset="0"/>
+              <a:cs typeface="Arial" panose="020B0604020202020204" pitchFamily="34" charset="0"/>
+            </a:endParaRPr>
           </a:p>
           <a:p>
             <a:pPr>
@@ -4760,7 +4895,10 @@
               <a:buChar char="§"/>
             </a:pPr>
             <a:r>
-              <a:rPr lang="ru-RU" dirty="0"/>
+              <a:rPr lang="ru-RU" sz="2000" dirty="0">
+                <a:latin typeface="Arial" panose="020B0604020202020204" pitchFamily="34" charset="0"/>
+                <a:cs typeface="Arial" panose="020B0604020202020204" pitchFamily="34" charset="0"/>
+              </a:rPr>
               <a:t>Способность ИИ подстраиваться под игрока и окружение</a:t>
             </a:r>
           </a:p>
@@ -4770,7 +4908,10 @@
               <a:buChar char="§"/>
             </a:pPr>
             <a:r>
-              <a:rPr lang="ru-RU" dirty="0"/>
+              <a:rPr lang="ru-RU" sz="2000" dirty="0">
+                <a:latin typeface="Arial" panose="020B0604020202020204" pitchFamily="34" charset="0"/>
+                <a:cs typeface="Arial" panose="020B0604020202020204" pitchFamily="34" charset="0"/>
+              </a:rPr>
               <a:t>Универсальность использования ИИ</a:t>
             </a:r>
           </a:p>
@@ -4780,7 +4921,10 @@
               <a:buChar char="§"/>
             </a:pPr>
             <a:r>
-              <a:rPr lang="ru-RU" dirty="0"/>
+              <a:rPr lang="ru-RU" sz="2000" dirty="0">
+                <a:latin typeface="Arial" panose="020B0604020202020204" pitchFamily="34" charset="0"/>
+                <a:cs typeface="Arial" panose="020B0604020202020204" pitchFamily="34" charset="0"/>
+              </a:rPr>
               <a:t>Создание базового персонажа для управления пользователем</a:t>
             </a:r>
           </a:p>
@@ -4790,10 +4934,16 @@
               <a:buChar char="§"/>
             </a:pPr>
             <a:r>
-              <a:rPr lang="ru-RU" dirty="0"/>
+              <a:rPr lang="ru-RU" sz="2000" dirty="0">
+                <a:latin typeface="Arial" panose="020B0604020202020204" pitchFamily="34" charset="0"/>
+                <a:cs typeface="Arial" panose="020B0604020202020204" pitchFamily="34" charset="0"/>
+              </a:rPr>
               <a:t>Реализация алгоритмов ИИ на объектах: бот, дрон и автоматическая турель</a:t>
             </a:r>
-            <a:endParaRPr lang="en-BY" dirty="0"/>
+            <a:endParaRPr lang="en-BY" sz="2000" dirty="0">
+              <a:latin typeface="Arial" panose="020B0604020202020204" pitchFamily="34" charset="0"/>
+              <a:cs typeface="Arial" panose="020B0604020202020204" pitchFamily="34" charset="0"/>
+            </a:endParaRPr>
           </a:p>
         </p:txBody>
       </p:sp>
@@ -4900,14 +5050,23 @@
         </p:nvSpPr>
         <p:spPr/>
         <p:txBody>
-          <a:bodyPr/>
+          <a:bodyPr>
+            <a:normAutofit/>
+          </a:bodyPr>
           <a:lstStyle/>
           <a:p>
-            <a:r>
-              <a:rPr lang="ru-RU" dirty="0"/>
+            <a:pPr algn="ctr"/>
+            <a:r>
+              <a:rPr lang="ru-RU" sz="4000" dirty="0">
+                <a:latin typeface="Arial" panose="020B0604020202020204" pitchFamily="34" charset="0"/>
+                <a:cs typeface="Arial" panose="020B0604020202020204" pitchFamily="34" charset="0"/>
+              </a:rPr>
               <a:t>Аналоги</a:t>
             </a:r>
-            <a:endParaRPr lang="en-BY" dirty="0"/>
+            <a:endParaRPr lang="en-BY" sz="4000" dirty="0">
+              <a:latin typeface="Arial" panose="020B0604020202020204" pitchFamily="34" charset="0"/>
+              <a:cs typeface="Arial" panose="020B0604020202020204" pitchFamily="34" charset="0"/>
+            </a:endParaRPr>
           </a:p>
         </p:txBody>
       </p:sp>
@@ -5105,11 +5264,32 @@
           <a:bodyPr/>
           <a:lstStyle/>
           <a:p>
-            <a:r>
-              <a:rPr lang="ru-RU" dirty="0"/>
-              <a:t>Использованные технологии</a:t>
-            </a:r>
-            <a:endParaRPr lang="en-BY" dirty="0"/>
+            <a:pPr algn="ctr"/>
+            <a:r>
+              <a:rPr lang="ru-RU" sz="4000" dirty="0">
+                <a:latin typeface="Arial" panose="020B0604020202020204" pitchFamily="34" charset="0"/>
+                <a:cs typeface="Arial" panose="020B0604020202020204" pitchFamily="34" charset="0"/>
+              </a:rPr>
+              <a:t>Использованные</a:t>
+            </a:r>
+            <a:r>
+              <a:rPr lang="ru-RU" dirty="0">
+                <a:latin typeface="Arial" panose="020B0604020202020204" pitchFamily="34" charset="0"/>
+                <a:cs typeface="Arial" panose="020B0604020202020204" pitchFamily="34" charset="0"/>
+              </a:rPr>
+              <a:t> </a:t>
+            </a:r>
+            <a:r>
+              <a:rPr lang="ru-RU" sz="4000" dirty="0">
+                <a:latin typeface="Arial" panose="020B0604020202020204" pitchFamily="34" charset="0"/>
+                <a:cs typeface="Arial" panose="020B0604020202020204" pitchFamily="34" charset="0"/>
+              </a:rPr>
+              <a:t>технологии</a:t>
+            </a:r>
+            <a:endParaRPr lang="en-BY" sz="4000" dirty="0">
+              <a:latin typeface="Arial" panose="020B0604020202020204" pitchFamily="34" charset="0"/>
+              <a:cs typeface="Arial" panose="020B0604020202020204" pitchFamily="34" charset="0"/>
+            </a:endParaRPr>
           </a:p>
         </p:txBody>
       </p:sp>
@@ -5351,14 +5531,23 @@
         </p:nvSpPr>
         <p:spPr/>
         <p:txBody>
-          <a:bodyPr/>
+          <a:bodyPr>
+            <a:normAutofit/>
+          </a:bodyPr>
           <a:lstStyle/>
           <a:p>
-            <a:r>
-              <a:rPr lang="en-US" dirty="0"/>
+            <a:pPr algn="ctr"/>
+            <a:r>
+              <a:rPr lang="en-US" sz="4000" dirty="0">
+                <a:latin typeface="Arial" panose="020B0604020202020204" pitchFamily="34" charset="0"/>
+                <a:cs typeface="Arial" panose="020B0604020202020204" pitchFamily="34" charset="0"/>
+              </a:rPr>
               <a:t>Environment Query System</a:t>
             </a:r>
-            <a:endParaRPr lang="en-BY" dirty="0"/>
+            <a:endParaRPr lang="en-BY" sz="4000" dirty="0">
+              <a:latin typeface="Arial" panose="020B0604020202020204" pitchFamily="34" charset="0"/>
+              <a:cs typeface="Arial" panose="020B0604020202020204" pitchFamily="34" charset="0"/>
+            </a:endParaRPr>
           </a:p>
         </p:txBody>
       </p:sp>
@@ -5459,14 +5648,23 @@
         </p:nvSpPr>
         <p:spPr/>
         <p:txBody>
-          <a:bodyPr/>
+          <a:bodyPr>
+            <a:normAutofit/>
+          </a:bodyPr>
           <a:lstStyle/>
           <a:p>
-            <a:r>
-              <a:rPr lang="ru-RU" dirty="0"/>
+            <a:pPr algn="ctr"/>
+            <a:r>
+              <a:rPr lang="ru-RU" sz="4000" dirty="0">
+                <a:latin typeface="Arial" panose="020B0604020202020204" pitchFamily="34" charset="0"/>
+                <a:cs typeface="Arial" panose="020B0604020202020204" pitchFamily="34" charset="0"/>
+              </a:rPr>
               <a:t>Алгоритм поиска пути дрона</a:t>
             </a:r>
-            <a:endParaRPr lang="en-BY" dirty="0"/>
+            <a:endParaRPr lang="en-BY" sz="4000" dirty="0">
+              <a:latin typeface="Arial" panose="020B0604020202020204" pitchFamily="34" charset="0"/>
+              <a:cs typeface="Arial" panose="020B0604020202020204" pitchFamily="34" charset="0"/>
+            </a:endParaRPr>
           </a:p>
         </p:txBody>
       </p:sp>
@@ -5614,14 +5812,23 @@
         </p:nvSpPr>
         <p:spPr/>
         <p:txBody>
-          <a:bodyPr/>
+          <a:bodyPr>
+            <a:normAutofit/>
+          </a:bodyPr>
           <a:lstStyle/>
           <a:p>
-            <a:r>
-              <a:rPr lang="ru-RU" dirty="0"/>
+            <a:pPr algn="ctr"/>
+            <a:r>
+              <a:rPr lang="ru-RU" sz="4000" dirty="0">
+                <a:latin typeface="Arial" panose="020B0604020202020204" pitchFamily="34" charset="0"/>
+                <a:cs typeface="Arial" panose="020B0604020202020204" pitchFamily="34" charset="0"/>
+              </a:rPr>
               <a:t>Алгоритм поиска пути бота</a:t>
             </a:r>
-            <a:endParaRPr lang="en-BY" dirty="0"/>
+            <a:endParaRPr lang="en-BY" sz="4000" dirty="0">
+              <a:latin typeface="Arial" panose="020B0604020202020204" pitchFamily="34" charset="0"/>
+              <a:cs typeface="Arial" panose="020B0604020202020204" pitchFamily="34" charset="0"/>
+            </a:endParaRPr>
           </a:p>
         </p:txBody>
       </p:sp>
@@ -5722,14 +5929,23 @@
         </p:nvSpPr>
         <p:spPr/>
         <p:txBody>
-          <a:bodyPr/>
+          <a:bodyPr>
+            <a:normAutofit/>
+          </a:bodyPr>
           <a:lstStyle/>
           <a:p>
-            <a:r>
-              <a:rPr lang="ru-RU" dirty="0"/>
+            <a:pPr algn="ctr"/>
+            <a:r>
+              <a:rPr lang="ru-RU" sz="4000" dirty="0">
+                <a:latin typeface="Arial" panose="020B0604020202020204" pitchFamily="34" charset="0"/>
+                <a:cs typeface="Arial" panose="020B0604020202020204" pitchFamily="34" charset="0"/>
+              </a:rPr>
               <a:t>Алгоритм стрельбы</a:t>
             </a:r>
-            <a:endParaRPr lang="en-BY" dirty="0"/>
+            <a:endParaRPr lang="en-BY" sz="4000" dirty="0">
+              <a:latin typeface="Arial" panose="020B0604020202020204" pitchFamily="34" charset="0"/>
+              <a:cs typeface="Arial" panose="020B0604020202020204" pitchFamily="34" charset="0"/>
+            </a:endParaRPr>
           </a:p>
         </p:txBody>
       </p:sp>
@@ -5830,14 +6046,23 @@
         </p:nvSpPr>
         <p:spPr/>
         <p:txBody>
-          <a:bodyPr/>
+          <a:bodyPr>
+            <a:normAutofit/>
+          </a:bodyPr>
           <a:lstStyle/>
           <a:p>
-            <a:r>
-              <a:rPr lang="ru-RU" dirty="0"/>
+            <a:pPr algn="ctr"/>
+            <a:r>
+              <a:rPr lang="ru-RU" sz="4000" dirty="0">
+                <a:latin typeface="Arial" panose="020B0604020202020204" pitchFamily="34" charset="0"/>
+                <a:cs typeface="Arial" panose="020B0604020202020204" pitchFamily="34" charset="0"/>
+              </a:rPr>
               <a:t>Объекты, реализующие алгоритмы ИИ</a:t>
             </a:r>
-            <a:endParaRPr lang="en-BY" dirty="0"/>
+            <a:endParaRPr lang="en-BY" sz="4000" dirty="0">
+              <a:latin typeface="Arial" panose="020B0604020202020204" pitchFamily="34" charset="0"/>
+              <a:cs typeface="Arial" panose="020B0604020202020204" pitchFamily="34" charset="0"/>
+            </a:endParaRPr>
           </a:p>
         </p:txBody>
       </p:sp>
@@ -5905,7 +6130,7 @@
         <p:spPr>
           <a:xfrm>
             <a:off x="2043112" y="4956193"/>
-            <a:ext cx="1057275" cy="523220"/>
+            <a:ext cx="1057275" cy="400110"/>
           </a:xfrm>
           <a:prstGeom prst="rect">
             <a:avLst/>
@@ -5918,11 +6143,18 @@
           </a:bodyPr>
           <a:lstStyle/>
           <a:p>
-            <a:r>
-              <a:rPr lang="ru-RU" sz="2800" dirty="0"/>
+            <a:pPr algn="ctr"/>
+            <a:r>
+              <a:rPr lang="ru-RU" sz="2000" dirty="0">
+                <a:latin typeface="Arial" panose="020B0604020202020204" pitchFamily="34" charset="0"/>
+                <a:cs typeface="Arial" panose="020B0604020202020204" pitchFamily="34" charset="0"/>
+              </a:rPr>
               <a:t>Дрон</a:t>
             </a:r>
-            <a:endParaRPr lang="en-BY" sz="2800" dirty="0"/>
+            <a:endParaRPr lang="en-BY" sz="2000" dirty="0">
+              <a:latin typeface="Arial" panose="020B0604020202020204" pitchFamily="34" charset="0"/>
+              <a:cs typeface="Arial" panose="020B0604020202020204" pitchFamily="34" charset="0"/>
+            </a:endParaRPr>
           </a:p>
         </p:txBody>
       </p:sp>
@@ -5988,7 +6220,7 @@
         <p:spPr>
           <a:xfrm>
             <a:off x="5567362" y="4967306"/>
-            <a:ext cx="1057275" cy="523220"/>
+            <a:ext cx="1057275" cy="400110"/>
           </a:xfrm>
           <a:prstGeom prst="rect">
             <a:avLst/>
@@ -6001,11 +6233,18 @@
           </a:bodyPr>
           <a:lstStyle/>
           <a:p>
-            <a:r>
-              <a:rPr lang="ru-RU" sz="2800" dirty="0"/>
+            <a:pPr algn="ctr"/>
+            <a:r>
+              <a:rPr lang="ru-RU" sz="2000" dirty="0">
+                <a:latin typeface="Arial" panose="020B0604020202020204" pitchFamily="34" charset="0"/>
+                <a:cs typeface="Arial" panose="020B0604020202020204" pitchFamily="34" charset="0"/>
+              </a:rPr>
               <a:t>Бот</a:t>
             </a:r>
-            <a:endParaRPr lang="en-BY" sz="2800" dirty="0"/>
+            <a:endParaRPr lang="en-BY" sz="2000" dirty="0">
+              <a:latin typeface="Arial" panose="020B0604020202020204" pitchFamily="34" charset="0"/>
+              <a:cs typeface="Arial" panose="020B0604020202020204" pitchFamily="34" charset="0"/>
+            </a:endParaRPr>
           </a:p>
         </p:txBody>
       </p:sp>
@@ -6071,7 +6310,7 @@
         <p:spPr>
           <a:xfrm>
             <a:off x="8715373" y="4967306"/>
-            <a:ext cx="1409701" cy="523220"/>
+            <a:ext cx="1409701" cy="400110"/>
           </a:xfrm>
           <a:prstGeom prst="rect">
             <a:avLst/>
@@ -6084,11 +6323,18 @@
           </a:bodyPr>
           <a:lstStyle/>
           <a:p>
-            <a:r>
-              <a:rPr lang="ru-RU" sz="2800" dirty="0"/>
+            <a:pPr algn="ctr"/>
+            <a:r>
+              <a:rPr lang="ru-RU" sz="2000" dirty="0">
+                <a:latin typeface="Arial" panose="020B0604020202020204" pitchFamily="34" charset="0"/>
+                <a:cs typeface="Arial" panose="020B0604020202020204" pitchFamily="34" charset="0"/>
+              </a:rPr>
               <a:t>Турель</a:t>
             </a:r>
-            <a:endParaRPr lang="en-BY" sz="2800" dirty="0"/>
+            <a:endParaRPr lang="en-BY" sz="2000" dirty="0">
+              <a:latin typeface="Arial" panose="020B0604020202020204" pitchFamily="34" charset="0"/>
+              <a:cs typeface="Arial" panose="020B0604020202020204" pitchFamily="34" charset="0"/>
+            </a:endParaRPr>
           </a:p>
         </p:txBody>
       </p:sp>
